--- a/2023-10-17-Model Mitosis/ModelMitosis.pptx
+++ b/2023-10-17-Model Mitosis/ModelMitosis.pptx
@@ -271,7 +271,7 @@
           <a:p>
             <a:fld id="{6124A562-6DB8-4662-856E-2FDB2EBEA723}" type="datetimeFigureOut">
               <a:rPr lang="fr-FR" smtClean="0"/>
-              <a:t>11/09/2023</a:t>
+              <a:t>12/09/2023</a:t>
             </a:fld>
             <a:endParaRPr lang="fr-FR"/>
           </a:p>
@@ -517,7 +517,7 @@
           <a:p>
             <a:fld id="{6124A562-6DB8-4662-856E-2FDB2EBEA723}" type="datetimeFigureOut">
               <a:rPr lang="fr-FR" smtClean="0"/>
-              <a:t>11/09/2023</a:t>
+              <a:t>12/09/2023</a:t>
             </a:fld>
             <a:endParaRPr lang="fr-FR"/>
           </a:p>
@@ -727,7 +727,7 @@
           <a:p>
             <a:fld id="{6124A562-6DB8-4662-856E-2FDB2EBEA723}" type="datetimeFigureOut">
               <a:rPr lang="fr-FR" smtClean="0"/>
-              <a:t>11/09/2023</a:t>
+              <a:t>12/09/2023</a:t>
             </a:fld>
             <a:endParaRPr lang="fr-FR"/>
           </a:p>
@@ -1260,7 +1260,7 @@
           <a:p>
             <a:fld id="{6124A562-6DB8-4662-856E-2FDB2EBEA723}" type="datetimeFigureOut">
               <a:rPr lang="fr-FR" smtClean="0"/>
-              <a:t>11/09/2023</a:t>
+              <a:t>12/09/2023</a:t>
             </a:fld>
             <a:endParaRPr lang="fr-FR"/>
           </a:p>
@@ -1528,7 +1528,7 @@
           <a:p>
             <a:fld id="{6124A562-6DB8-4662-856E-2FDB2EBEA723}" type="datetimeFigureOut">
               <a:rPr lang="fr-FR" smtClean="0"/>
-              <a:t>11/09/2023</a:t>
+              <a:t>12/09/2023</a:t>
             </a:fld>
             <a:endParaRPr lang="fr-FR"/>
           </a:p>
@@ -1943,7 +1943,7 @@
           <a:p>
             <a:fld id="{6124A562-6DB8-4662-856E-2FDB2EBEA723}" type="datetimeFigureOut">
               <a:rPr lang="fr-FR" smtClean="0"/>
-              <a:t>11/09/2023</a:t>
+              <a:t>12/09/2023</a:t>
             </a:fld>
             <a:endParaRPr lang="fr-FR"/>
           </a:p>
@@ -2085,7 +2085,7 @@
           <a:p>
             <a:fld id="{6124A562-6DB8-4662-856E-2FDB2EBEA723}" type="datetimeFigureOut">
               <a:rPr lang="fr-FR" smtClean="0"/>
-              <a:t>11/09/2023</a:t>
+              <a:t>12/09/2023</a:t>
             </a:fld>
             <a:endParaRPr lang="fr-FR"/>
           </a:p>
@@ -2234,7 +2234,7 @@
           <a:p>
             <a:fld id="{6124A562-6DB8-4662-856E-2FDB2EBEA723}" type="datetimeFigureOut">
               <a:rPr lang="fr-FR" smtClean="0"/>
-              <a:t>11/09/2023</a:t>
+              <a:t>12/09/2023</a:t>
             </a:fld>
             <a:endParaRPr lang="fr-FR"/>
           </a:p>
@@ -2547,7 +2547,7 @@
           <a:p>
             <a:fld id="{6124A562-6DB8-4662-856E-2FDB2EBEA723}" type="datetimeFigureOut">
               <a:rPr lang="fr-FR" smtClean="0"/>
-              <a:t>11/09/2023</a:t>
+              <a:t>12/09/2023</a:t>
             </a:fld>
             <a:endParaRPr lang="fr-FR"/>
           </a:p>
@@ -2836,7 +2836,7 @@
           <a:p>
             <a:fld id="{6124A562-6DB8-4662-856E-2FDB2EBEA723}" type="datetimeFigureOut">
               <a:rPr lang="fr-FR" smtClean="0"/>
-              <a:t>11/09/2023</a:t>
+              <a:t>12/09/2023</a:t>
             </a:fld>
             <a:endParaRPr lang="fr-FR"/>
           </a:p>
@@ -3114,7 +3114,7 @@
           <a:p>
             <a:fld id="{6124A562-6DB8-4662-856E-2FDB2EBEA723}" type="datetimeFigureOut">
               <a:rPr lang="fr-FR" smtClean="0"/>
-              <a:t>11/09/2023</a:t>
+              <a:t>12/09/2023</a:t>
             </a:fld>
             <a:endParaRPr lang="fr-FR"/>
           </a:p>
@@ -4131,7 +4131,7 @@
                 </a:solidFill>
                 <a:latin typeface="Alte Haas Grotesk" panose="02000503000000020004" pitchFamily="2" charset="0"/>
               </a:rPr>
-              <a:t>3 dynamic patterns to deal with model tensions</a:t>
+              <a:t>A dynamic pattern to deal with model tensions</a:t>
             </a:r>
           </a:p>
         </p:txBody>
